--- a/01_Webkit_framework.pptx
+++ b/01_Webkit_framework.pptx
@@ -3347,9 +3347,21 @@
         </p:nvSpPr>
         <p:spPr/>
         <p:txBody>
-          <a:bodyPr/>
-          <a:lstStyle/>
-          <a:p>
+          <a:bodyPr>
+            <a:normAutofit fontScale="90000"/>
+          </a:bodyPr>
+          <a:lstStyle/>
+          <a:p>
+            <a:br>
+              <a:rPr lang="en-US" altLang="ko-KR" dirty="0"/>
+            </a:br>
+            <a:r>
+              <a:rPr lang="en-US" altLang="ko-KR" sz="4900" dirty="0"/>
+              <a:t>01</a:t>
+            </a:r>
+            <a:br>
+              <a:rPr lang="en-US" altLang="ko-KR" dirty="0"/>
+            </a:br>
             <a:r>
               <a:rPr lang="en-US" altLang="ko-KR" dirty="0" err="1"/>
               <a:t>Webkit</a:t>
@@ -3381,7 +3393,12 @@
             <p:ph type="subTitle" idx="1"/>
           </p:nvPr>
         </p:nvSpPr>
-        <p:spPr/>
+        <p:spPr>
+          <a:xfrm>
+            <a:off x="1524000" y="4056929"/>
+            <a:ext cx="9144000" cy="1655762"/>
+          </a:xfrm>
+        </p:spPr>
         <p:txBody>
           <a:bodyPr/>
           <a:lstStyle/>

--- a/01_Webkit_framework.pptx
+++ b/01_Webkit_framework.pptx
@@ -8,7 +8,9 @@
     <p:sldId id="256" r:id="rId2"/>
     <p:sldId id="257" r:id="rId3"/>
     <p:sldId id="258" r:id="rId4"/>
-    <p:sldId id="259" r:id="rId5"/>
+    <p:sldId id="261" r:id="rId5"/>
+    <p:sldId id="260" r:id="rId6"/>
+    <p:sldId id="259" r:id="rId7"/>
   </p:sldIdLst>
   <p:sldSz cx="12192000" cy="6858000"/>
   <p:notesSz cx="6858000" cy="9144000"/>
@@ -262,7 +264,7 @@
           <a:p>
             <a:fld id="{C9A2E0DD-493A-4C5D-97B3-E71B451D7D50}" type="datetimeFigureOut">
               <a:rPr lang="ko-KR" altLang="en-US" smtClean="0"/>
-              <a:t>2019. 9. 5.</a:t>
+              <a:t>2019-09-09</a:t>
             </a:fld>
             <a:endParaRPr lang="ko-KR" altLang="en-US"/>
           </a:p>
@@ -460,7 +462,7 @@
           <a:p>
             <a:fld id="{C9A2E0DD-493A-4C5D-97B3-E71B451D7D50}" type="datetimeFigureOut">
               <a:rPr lang="ko-KR" altLang="en-US" smtClean="0"/>
-              <a:t>2019. 9. 5.</a:t>
+              <a:t>2019-09-09</a:t>
             </a:fld>
             <a:endParaRPr lang="ko-KR" altLang="en-US"/>
           </a:p>
@@ -668,7 +670,7 @@
           <a:p>
             <a:fld id="{C9A2E0DD-493A-4C5D-97B3-E71B451D7D50}" type="datetimeFigureOut">
               <a:rPr lang="ko-KR" altLang="en-US" smtClean="0"/>
-              <a:t>2019. 9. 5.</a:t>
+              <a:t>2019-09-09</a:t>
             </a:fld>
             <a:endParaRPr lang="ko-KR" altLang="en-US"/>
           </a:p>
@@ -866,7 +868,7 @@
           <a:p>
             <a:fld id="{C9A2E0DD-493A-4C5D-97B3-E71B451D7D50}" type="datetimeFigureOut">
               <a:rPr lang="ko-KR" altLang="en-US" smtClean="0"/>
-              <a:t>2019. 9. 5.</a:t>
+              <a:t>2019-09-09</a:t>
             </a:fld>
             <a:endParaRPr lang="ko-KR" altLang="en-US"/>
           </a:p>
@@ -1141,7 +1143,7 @@
           <a:p>
             <a:fld id="{C9A2E0DD-493A-4C5D-97B3-E71B451D7D50}" type="datetimeFigureOut">
               <a:rPr lang="ko-KR" altLang="en-US" smtClean="0"/>
-              <a:t>2019. 9. 5.</a:t>
+              <a:t>2019-09-09</a:t>
             </a:fld>
             <a:endParaRPr lang="ko-KR" altLang="en-US"/>
           </a:p>
@@ -1406,7 +1408,7 @@
           <a:p>
             <a:fld id="{C9A2E0DD-493A-4C5D-97B3-E71B451D7D50}" type="datetimeFigureOut">
               <a:rPr lang="ko-KR" altLang="en-US" smtClean="0"/>
-              <a:t>2019. 9. 5.</a:t>
+              <a:t>2019-09-09</a:t>
             </a:fld>
             <a:endParaRPr lang="ko-KR" altLang="en-US"/>
           </a:p>
@@ -1818,7 +1820,7 @@
           <a:p>
             <a:fld id="{C9A2E0DD-493A-4C5D-97B3-E71B451D7D50}" type="datetimeFigureOut">
               <a:rPr lang="ko-KR" altLang="en-US" smtClean="0"/>
-              <a:t>2019. 9. 5.</a:t>
+              <a:t>2019-09-09</a:t>
             </a:fld>
             <a:endParaRPr lang="ko-KR" altLang="en-US"/>
           </a:p>
@@ -1959,7 +1961,7 @@
           <a:p>
             <a:fld id="{C9A2E0DD-493A-4C5D-97B3-E71B451D7D50}" type="datetimeFigureOut">
               <a:rPr lang="ko-KR" altLang="en-US" smtClean="0"/>
-              <a:t>2019. 9. 5.</a:t>
+              <a:t>2019-09-09</a:t>
             </a:fld>
             <a:endParaRPr lang="ko-KR" altLang="en-US"/>
           </a:p>
@@ -2072,7 +2074,7 @@
           <a:p>
             <a:fld id="{C9A2E0DD-493A-4C5D-97B3-E71B451D7D50}" type="datetimeFigureOut">
               <a:rPr lang="ko-KR" altLang="en-US" smtClean="0"/>
-              <a:t>2019. 9. 5.</a:t>
+              <a:t>2019-09-09</a:t>
             </a:fld>
             <a:endParaRPr lang="ko-KR" altLang="en-US"/>
           </a:p>
@@ -2383,7 +2385,7 @@
           <a:p>
             <a:fld id="{C9A2E0DD-493A-4C5D-97B3-E71B451D7D50}" type="datetimeFigureOut">
               <a:rPr lang="ko-KR" altLang="en-US" smtClean="0"/>
-              <a:t>2019. 9. 5.</a:t>
+              <a:t>2019-09-09</a:t>
             </a:fld>
             <a:endParaRPr lang="ko-KR" altLang="en-US"/>
           </a:p>
@@ -2671,7 +2673,7 @@
           <a:p>
             <a:fld id="{C9A2E0DD-493A-4C5D-97B3-E71B451D7D50}" type="datetimeFigureOut">
               <a:rPr lang="ko-KR" altLang="en-US" smtClean="0"/>
-              <a:t>2019. 9. 5.</a:t>
+              <a:t>2019-09-09</a:t>
             </a:fld>
             <a:endParaRPr lang="ko-KR" altLang="en-US"/>
           </a:p>
@@ -2912,7 +2914,7 @@
           <a:p>
             <a:fld id="{C9A2E0DD-493A-4C5D-97B3-E71B451D7D50}" type="datetimeFigureOut">
               <a:rPr lang="ko-KR" altLang="en-US" smtClean="0"/>
-              <a:t>2019. 9. 5.</a:t>
+              <a:t>2019-09-09</a:t>
             </a:fld>
             <a:endParaRPr lang="ko-KR" altLang="en-US"/>
           </a:p>
@@ -3345,23 +3347,22 @@
             <p:ph type="ctrTitle"/>
           </p:nvPr>
         </p:nvSpPr>
-        <p:spPr/>
+        <p:spPr>
+          <a:xfrm>
+            <a:off x="1524000" y="1707355"/>
+            <a:ext cx="9144000" cy="1395413"/>
+          </a:xfrm>
+        </p:spPr>
         <p:txBody>
           <a:bodyPr>
-            <a:normAutofit fontScale="90000"/>
+            <a:normAutofit/>
           </a:bodyPr>
           <a:lstStyle/>
           <a:p>
-            <a:br>
+            <a:r>
               <a:rPr lang="en-US" altLang="ko-KR" dirty="0"/>
-            </a:br>
-            <a:r>
-              <a:rPr lang="en-US" altLang="ko-KR" sz="4900" dirty="0"/>
-              <a:t>01</a:t>
-            </a:r>
-            <a:br>
-              <a:rPr lang="en-US" altLang="ko-KR" dirty="0"/>
-            </a:br>
+              <a:t>01. </a:t>
+            </a:r>
             <a:r>
               <a:rPr lang="en-US" altLang="ko-KR" dirty="0" err="1"/>
               <a:t>Webkit</a:t>
@@ -3615,10 +3616,6 @@
           <a:lstStyle/>
           <a:p>
             <a:r>
-              <a:rPr lang="en-US" altLang="ko-KR" dirty="0"/>
-              <a:t>iOS </a:t>
-            </a:r>
-            <a:r>
               <a:rPr lang="en-US" altLang="ko-KR" dirty="0" err="1"/>
               <a:t>WKWebView</a:t>
             </a:r>
@@ -3648,85 +3645,67 @@
           <a:lstStyle/>
           <a:p>
             <a:r>
-              <a:rPr lang="ko-KR" altLang="en-US"/>
-              <a:t>실습 </a:t>
+              <a:rPr lang="en-US" altLang="ko-KR" dirty="0" err="1"/>
+              <a:t>URLRequest</a:t>
             </a:r>
             <a:r>
               <a:rPr lang="en-US" altLang="ko-KR" dirty="0"/>
-              <a:t>: </a:t>
-            </a:r>
-            <a:r>
-              <a:rPr lang="ko-KR" altLang="en-US" dirty="0"/>
-              <a:t>간단한 모바일 웹 브라우저 만들기</a:t>
-            </a:r>
-            <a:endParaRPr lang="en-US" altLang="ko-KR" dirty="0"/>
-          </a:p>
-          <a:p>
-            <a:pPr lvl="1">
-              <a:lnSpc>
-                <a:spcPct val="150000"/>
-              </a:lnSpc>
-            </a:pPr>
-            <a:r>
-              <a:rPr lang="ko-KR" altLang="en-US" dirty="0"/>
-              <a:t>참고 사이트 </a:t>
-            </a:r>
-            <a:endParaRPr lang="en-US" altLang="ko-KR" dirty="0"/>
-          </a:p>
-          <a:p>
-            <a:pPr marL="457200" lvl="1" indent="0">
-              <a:lnSpc>
-                <a:spcPct val="150000"/>
-              </a:lnSpc>
-              <a:buNone/>
-            </a:pPr>
-            <a:r>
-              <a:rPr lang="en-US" altLang="ko-KR" dirty="0"/>
-              <a:t>  </a:t>
+              <a:t>(url: URL(string: </a:t>
             </a:r>
             <a:r>
               <a:rPr lang="en-US" altLang="ko-KR" dirty="0">
                 <a:hlinkClick r:id="rId2"/>
               </a:rPr>
-              <a:t>https://hyowonee.github.io/19-42-iOS-WKWebView.html</a:t>
+              <a:t>http://www.naver.com)</a:t>
+            </a:r>
+            <a:r>
+              <a:rPr lang="en-US" altLang="ko-KR" dirty="0"/>
+              <a:t>!)</a:t>
+            </a:r>
+          </a:p>
+          <a:p>
+            <a:r>
+              <a:rPr lang="en-US" altLang="ko-KR" dirty="0"/>
+              <a:t>Boolean </a:t>
+            </a:r>
+            <a:r>
+              <a:rPr lang="en-US" altLang="ko-KR" dirty="0" err="1"/>
+              <a:t>canGoBack</a:t>
             </a:r>
             <a:endParaRPr lang="en-US" altLang="ko-KR" dirty="0"/>
           </a:p>
           <a:p>
-            <a:pPr lvl="1"/>
+            <a:r>
+              <a:rPr lang="en-US" altLang="ko-KR" dirty="0" err="1"/>
+              <a:t>goBack</a:t>
+            </a:r>
+            <a:r>
+              <a:rPr lang="en-US" altLang="ko-KR" dirty="0"/>
+              <a:t>()</a:t>
+            </a:r>
+          </a:p>
+          <a:p>
+            <a:r>
+              <a:rPr lang="en-US" altLang="ko-KR" dirty="0"/>
+              <a:t>Boolean </a:t>
+            </a:r>
+            <a:r>
+              <a:rPr lang="en-US" altLang="ko-KR" dirty="0" err="1"/>
+              <a:t>canGoForward</a:t>
+            </a:r>
             <a:endParaRPr lang="en-US" altLang="ko-KR" dirty="0"/>
           </a:p>
           <a:p>
-            <a:pPr lvl="1"/>
-            <a:r>
-              <a:rPr lang="ko-KR" altLang="en-US" dirty="0"/>
-              <a:t>예제 소스 </a:t>
+            <a:r>
+              <a:rPr lang="en-US" altLang="ko-KR" dirty="0" err="1"/>
+              <a:t>goForward</a:t>
             </a:r>
             <a:r>
               <a:rPr lang="en-US" altLang="ko-KR" dirty="0"/>
-              <a:t>:</a:t>
-            </a:r>
-          </a:p>
-          <a:p>
-            <a:pPr marL="457200" lvl="1" indent="0">
-              <a:buNone/>
-            </a:pPr>
-            <a:r>
-              <a:rPr lang="en-US" altLang="ko-KR" dirty="0"/>
-              <a:t>  </a:t>
-            </a:r>
-            <a:r>
-              <a:rPr lang="en-US" altLang="ko-KR" dirty="0">
-                <a:hlinkClick r:id="rId3"/>
-              </a:rPr>
-              <a:t>https://github.com/ios-lec-2019-01/Simple-Web-Broswer</a:t>
-            </a:r>
-            <a:endParaRPr lang="en-US" altLang="ko-KR" dirty="0"/>
-          </a:p>
-          <a:p>
-            <a:pPr marL="0" indent="0">
-              <a:buNone/>
-            </a:pPr>
+              <a:t>()</a:t>
+            </a:r>
+          </a:p>
+          <a:p>
             <a:endParaRPr lang="ko-KR" altLang="en-US" dirty="0"/>
           </a:p>
         </p:txBody>
@@ -3745,6 +3724,456 @@
 </file>
 
 <file path=ppt/slides/slide4.xml><?xml version="1.0" encoding="utf-8"?>
+<p:sld xmlns:a="http://schemas.openxmlformats.org/drawingml/2006/main" xmlns:r="http://schemas.openxmlformats.org/officeDocument/2006/relationships" xmlns:p="http://schemas.openxmlformats.org/presentationml/2006/main">
+  <p:cSld>
+    <p:spTree>
+      <p:nvGrpSpPr>
+        <p:cNvPr id="1" name=""/>
+        <p:cNvGrpSpPr/>
+        <p:nvPr/>
+      </p:nvGrpSpPr>
+      <p:grpSpPr>
+        <a:xfrm>
+          <a:off x="0" y="0"/>
+          <a:ext cx="0" cy="0"/>
+          <a:chOff x="0" y="0"/>
+          <a:chExt cx="0" cy="0"/>
+        </a:xfrm>
+      </p:grpSpPr>
+      <p:sp>
+        <p:nvSpPr>
+          <p:cNvPr id="2" name="제목 1">
+            <a:extLst>
+              <a:ext uri="{FF2B5EF4-FFF2-40B4-BE49-F238E27FC236}">
+                <a16:creationId xmlns:a16="http://schemas.microsoft.com/office/drawing/2014/main" id="{DA6A1470-3A07-4216-88E5-53B103E8D521}"/>
+              </a:ext>
+            </a:extLst>
+          </p:cNvPr>
+          <p:cNvSpPr>
+            <a:spLocks noGrp="1"/>
+          </p:cNvSpPr>
+          <p:nvPr>
+            <p:ph type="title"/>
+          </p:nvPr>
+        </p:nvSpPr>
+        <p:spPr/>
+        <p:txBody>
+          <a:bodyPr/>
+          <a:lstStyle/>
+          <a:p>
+            <a:r>
+              <a:rPr lang="en-US" altLang="ko-KR" dirty="0" err="1"/>
+              <a:t>WKWebViewDelegate</a:t>
+            </a:r>
+            <a:endParaRPr lang="ko-KR" altLang="en-US" dirty="0"/>
+          </a:p>
+        </p:txBody>
+      </p:sp>
+      <p:sp>
+        <p:nvSpPr>
+          <p:cNvPr id="3" name="내용 개체 틀 2">
+            <a:extLst>
+              <a:ext uri="{FF2B5EF4-FFF2-40B4-BE49-F238E27FC236}">
+                <a16:creationId xmlns:a16="http://schemas.microsoft.com/office/drawing/2014/main" id="{40CC7208-E2FF-4EDB-B7DF-ECF08AD865A1}"/>
+              </a:ext>
+            </a:extLst>
+          </p:cNvPr>
+          <p:cNvSpPr>
+            <a:spLocks noGrp="1"/>
+          </p:cNvSpPr>
+          <p:nvPr>
+            <p:ph idx="1"/>
+          </p:nvPr>
+        </p:nvSpPr>
+        <p:spPr/>
+        <p:txBody>
+          <a:bodyPr>
+            <a:normAutofit fontScale="92500" lnSpcReduction="20000"/>
+          </a:bodyPr>
+          <a:lstStyle/>
+          <a:p>
+            <a:endParaRPr lang="en-US" altLang="ko-KR" dirty="0"/>
+          </a:p>
+          <a:p>
+            <a:r>
+              <a:rPr lang="en-US" altLang="ko-KR" dirty="0" err="1"/>
+              <a:t>func</a:t>
+            </a:r>
+            <a:r>
+              <a:rPr lang="en-US" altLang="ko-KR" dirty="0"/>
+              <a:t> </a:t>
+            </a:r>
+            <a:r>
+              <a:rPr lang="en-US" altLang="ko-KR" dirty="0" err="1"/>
+              <a:t>webView</a:t>
+            </a:r>
+            <a:r>
+              <a:rPr lang="en-US" altLang="ko-KR" dirty="0"/>
+              <a:t>(_ </a:t>
+            </a:r>
+            <a:r>
+              <a:rPr lang="en-US" altLang="ko-KR" dirty="0" err="1"/>
+              <a:t>webView</a:t>
+            </a:r>
+            <a:r>
+              <a:rPr lang="en-US" altLang="ko-KR" dirty="0"/>
+              <a:t>: </a:t>
+            </a:r>
+            <a:r>
+              <a:rPr lang="en-US" altLang="ko-KR" dirty="0" err="1"/>
+              <a:t>WKWebView</a:t>
+            </a:r>
+            <a:r>
+              <a:rPr lang="en-US" altLang="ko-KR" dirty="0"/>
+              <a:t>, </a:t>
+            </a:r>
+            <a:r>
+              <a:rPr lang="en-US" altLang="ko-KR" dirty="0" err="1"/>
+              <a:t>didCommit</a:t>
+            </a:r>
+            <a:r>
+              <a:rPr lang="en-US" altLang="ko-KR" dirty="0"/>
+              <a:t> navigation: </a:t>
+            </a:r>
+            <a:r>
+              <a:rPr lang="en-US" altLang="ko-KR" dirty="0" err="1"/>
+              <a:t>WKNavigation</a:t>
+            </a:r>
+            <a:r>
+              <a:rPr lang="en-US" altLang="ko-KR" dirty="0"/>
+              <a:t>!) {</a:t>
+            </a:r>
+          </a:p>
+          <a:p>
+            <a:pPr marL="0" indent="0">
+              <a:lnSpc>
+                <a:spcPct val="160000"/>
+              </a:lnSpc>
+              <a:buNone/>
+            </a:pPr>
+            <a:r>
+              <a:rPr lang="en-US" altLang="ko-KR" dirty="0"/>
+              <a:t>  // </a:t>
+            </a:r>
+            <a:r>
+              <a:rPr lang="ko-KR" altLang="en-US" dirty="0" err="1"/>
+              <a:t>웹뷰에서</a:t>
+            </a:r>
+            <a:r>
+              <a:rPr lang="ko-KR" altLang="en-US" dirty="0"/>
+              <a:t> 웹 콘텐츠</a:t>
+            </a:r>
+            <a:r>
+              <a:rPr lang="en-US" altLang="ko-KR" dirty="0"/>
+              <a:t>(</a:t>
+            </a:r>
+            <a:r>
+              <a:rPr lang="ko-KR" altLang="en-US" dirty="0"/>
+              <a:t>데이터</a:t>
+            </a:r>
+            <a:r>
+              <a:rPr lang="en-US" altLang="ko-KR" dirty="0"/>
+              <a:t>)</a:t>
+            </a:r>
+            <a:r>
+              <a:rPr lang="ko-KR" altLang="en-US" dirty="0"/>
+              <a:t>가 도착할 때 호출</a:t>
+            </a:r>
+            <a:endParaRPr lang="en-US" altLang="ko-KR" dirty="0"/>
+          </a:p>
+          <a:p>
+            <a:pPr marL="0" indent="0">
+              <a:buNone/>
+            </a:pPr>
+            <a:r>
+              <a:rPr lang="en-US" altLang="ko-KR" dirty="0"/>
+              <a:t>  }</a:t>
+            </a:r>
+          </a:p>
+          <a:p>
+            <a:pPr marL="0" indent="0">
+              <a:buNone/>
+            </a:pPr>
+            <a:endParaRPr lang="en-US" altLang="ko-KR" dirty="0"/>
+          </a:p>
+          <a:p>
+            <a:r>
+              <a:rPr lang="en-US" altLang="ko-KR" dirty="0" err="1"/>
+              <a:t>func</a:t>
+            </a:r>
+            <a:r>
+              <a:rPr lang="en-US" altLang="ko-KR" dirty="0"/>
+              <a:t> </a:t>
+            </a:r>
+            <a:r>
+              <a:rPr lang="en-US" altLang="ko-KR" dirty="0" err="1"/>
+              <a:t>webView</a:t>
+            </a:r>
+            <a:r>
+              <a:rPr lang="en-US" altLang="ko-KR" dirty="0"/>
+              <a:t>(_ </a:t>
+            </a:r>
+            <a:r>
+              <a:rPr lang="en-US" altLang="ko-KR" dirty="0" err="1"/>
+              <a:t>webView</a:t>
+            </a:r>
+            <a:r>
+              <a:rPr lang="en-US" altLang="ko-KR" dirty="0"/>
+              <a:t>: </a:t>
+            </a:r>
+            <a:r>
+              <a:rPr lang="en-US" altLang="ko-KR" dirty="0" err="1"/>
+              <a:t>WKWebView</a:t>
+            </a:r>
+            <a:r>
+              <a:rPr lang="en-US" altLang="ko-KR" dirty="0"/>
+              <a:t>, </a:t>
+            </a:r>
+            <a:r>
+              <a:rPr lang="en-US" altLang="ko-KR" dirty="0" err="1"/>
+              <a:t>didFinish</a:t>
+            </a:r>
+            <a:r>
+              <a:rPr lang="en-US" altLang="ko-KR" dirty="0"/>
+              <a:t> navigation: </a:t>
+            </a:r>
+            <a:r>
+              <a:rPr lang="en-US" altLang="ko-KR" dirty="0" err="1"/>
+              <a:t>WKNavigation</a:t>
+            </a:r>
+            <a:r>
+              <a:rPr lang="en-US" altLang="ko-KR" dirty="0"/>
+              <a:t>!) {</a:t>
+            </a:r>
+          </a:p>
+          <a:p>
+            <a:pPr marL="0" indent="0">
+              <a:lnSpc>
+                <a:spcPct val="170000"/>
+              </a:lnSpc>
+              <a:buNone/>
+            </a:pPr>
+            <a:r>
+              <a:rPr lang="en-US" altLang="ko-KR" dirty="0"/>
+              <a:t> // </a:t>
+            </a:r>
+            <a:r>
+              <a:rPr lang="ko-KR" altLang="en-US" dirty="0" err="1"/>
+              <a:t>웹뷰에서</a:t>
+            </a:r>
+            <a:r>
+              <a:rPr lang="ko-KR" altLang="en-US" dirty="0"/>
+              <a:t> </a:t>
+            </a:r>
+            <a:r>
+              <a:rPr lang="ko-KR" altLang="en-US" dirty="0" err="1"/>
+              <a:t>웹콘텐츠</a:t>
+            </a:r>
+            <a:r>
+              <a:rPr lang="en-US" altLang="ko-KR" dirty="0"/>
+              <a:t>(</a:t>
+            </a:r>
+            <a:r>
+              <a:rPr lang="ko-KR" altLang="en-US" dirty="0"/>
+              <a:t>데이터</a:t>
+            </a:r>
+            <a:r>
+              <a:rPr lang="en-US" altLang="ko-KR" dirty="0"/>
+              <a:t>)</a:t>
+            </a:r>
+            <a:r>
+              <a:rPr lang="ko-KR" altLang="en-US" dirty="0"/>
+              <a:t>를 받기를 끝낼 때 호출</a:t>
+            </a:r>
+            <a:endParaRPr lang="en-US" altLang="ko-KR" dirty="0"/>
+          </a:p>
+          <a:p>
+            <a:pPr marL="0" indent="0">
+              <a:buNone/>
+            </a:pPr>
+            <a:r>
+              <a:rPr lang="en-US" altLang="ko-KR" dirty="0"/>
+              <a:t> }</a:t>
+            </a:r>
+          </a:p>
+          <a:p>
+            <a:pPr marL="0" indent="0">
+              <a:buNone/>
+            </a:pPr>
+            <a:endParaRPr lang="ko-KR" altLang="en-US" dirty="0"/>
+          </a:p>
+        </p:txBody>
+      </p:sp>
+    </p:spTree>
+    <p:extLst>
+      <p:ext uri="{BB962C8B-B14F-4D97-AF65-F5344CB8AC3E}">
+        <p14:creationId xmlns:p14="http://schemas.microsoft.com/office/powerpoint/2010/main" val="2233013075"/>
+      </p:ext>
+    </p:extLst>
+  </p:cSld>
+  <p:clrMapOvr>
+    <a:masterClrMapping/>
+  </p:clrMapOvr>
+</p:sld>
+</file>
+
+<file path=ppt/slides/slide5.xml><?xml version="1.0" encoding="utf-8"?>
+<p:sld xmlns:a="http://schemas.openxmlformats.org/drawingml/2006/main" xmlns:r="http://schemas.openxmlformats.org/officeDocument/2006/relationships" xmlns:p="http://schemas.openxmlformats.org/presentationml/2006/main">
+  <p:cSld>
+    <p:spTree>
+      <p:nvGrpSpPr>
+        <p:cNvPr id="1" name=""/>
+        <p:cNvGrpSpPr/>
+        <p:nvPr/>
+      </p:nvGrpSpPr>
+      <p:grpSpPr>
+        <a:xfrm>
+          <a:off x="0" y="0"/>
+          <a:ext cx="0" cy="0"/>
+          <a:chOff x="0" y="0"/>
+          <a:chExt cx="0" cy="0"/>
+        </a:xfrm>
+      </p:grpSpPr>
+      <p:sp>
+        <p:nvSpPr>
+          <p:cNvPr id="2" name="제목 1">
+            <a:extLst>
+              <a:ext uri="{FF2B5EF4-FFF2-40B4-BE49-F238E27FC236}">
+                <a16:creationId xmlns:a16="http://schemas.microsoft.com/office/drawing/2014/main" id="{DA6A1470-3A07-4216-88E5-53B103E8D521}"/>
+              </a:ext>
+            </a:extLst>
+          </p:cNvPr>
+          <p:cNvSpPr>
+            <a:spLocks noGrp="1"/>
+          </p:cNvSpPr>
+          <p:nvPr>
+            <p:ph type="title"/>
+          </p:nvPr>
+        </p:nvSpPr>
+        <p:spPr/>
+        <p:txBody>
+          <a:bodyPr/>
+          <a:lstStyle/>
+          <a:p>
+            <a:r>
+              <a:rPr lang="ko-KR" altLang="en-US" dirty="0"/>
+              <a:t>실습 </a:t>
+            </a:r>
+            <a:r>
+              <a:rPr lang="en-US" altLang="ko-KR" dirty="0"/>
+              <a:t>: </a:t>
+            </a:r>
+            <a:r>
+              <a:rPr lang="ko-KR" altLang="en-US" dirty="0"/>
+              <a:t>간단한 모바일 웹 브라우저 만들기</a:t>
+            </a:r>
+          </a:p>
+        </p:txBody>
+      </p:sp>
+      <p:sp>
+        <p:nvSpPr>
+          <p:cNvPr id="3" name="내용 개체 틀 2">
+            <a:extLst>
+              <a:ext uri="{FF2B5EF4-FFF2-40B4-BE49-F238E27FC236}">
+                <a16:creationId xmlns:a16="http://schemas.microsoft.com/office/drawing/2014/main" id="{40CC7208-E2FF-4EDB-B7DF-ECF08AD865A1}"/>
+              </a:ext>
+            </a:extLst>
+          </p:cNvPr>
+          <p:cNvSpPr>
+            <a:spLocks noGrp="1"/>
+          </p:cNvSpPr>
+          <p:nvPr>
+            <p:ph idx="1"/>
+          </p:nvPr>
+        </p:nvSpPr>
+        <p:spPr/>
+        <p:txBody>
+          <a:bodyPr/>
+          <a:lstStyle/>
+          <a:p>
+            <a:pPr lvl="1">
+              <a:lnSpc>
+                <a:spcPct val="150000"/>
+              </a:lnSpc>
+            </a:pPr>
+            <a:r>
+              <a:rPr lang="ko-KR" altLang="en-US" dirty="0"/>
+              <a:t>참고 학습 사이트 </a:t>
+            </a:r>
+            <a:endParaRPr lang="en-US" altLang="ko-KR" dirty="0"/>
+          </a:p>
+          <a:p>
+            <a:pPr marL="457200" lvl="1" indent="0">
+              <a:lnSpc>
+                <a:spcPct val="150000"/>
+              </a:lnSpc>
+              <a:buNone/>
+            </a:pPr>
+            <a:r>
+              <a:rPr lang="en-US" altLang="ko-KR" dirty="0"/>
+              <a:t>  </a:t>
+            </a:r>
+            <a:r>
+              <a:rPr lang="en-US" altLang="ko-KR" dirty="0">
+                <a:hlinkClick r:id="rId2"/>
+              </a:rPr>
+              <a:t>https://hyowonee.github.io/19-42-iOS-WKWebView.html</a:t>
+            </a:r>
+            <a:endParaRPr lang="en-US" altLang="ko-KR" dirty="0"/>
+          </a:p>
+          <a:p>
+            <a:pPr lvl="1"/>
+            <a:endParaRPr lang="en-US" altLang="ko-KR" dirty="0"/>
+          </a:p>
+          <a:p>
+            <a:pPr lvl="1"/>
+            <a:r>
+              <a:rPr lang="ko-KR" altLang="en-US" dirty="0"/>
+              <a:t>예제 소스 </a:t>
+            </a:r>
+            <a:r>
+              <a:rPr lang="en-US" altLang="ko-KR" dirty="0"/>
+              <a:t>:</a:t>
+            </a:r>
+          </a:p>
+          <a:p>
+            <a:pPr marL="457200" lvl="1" indent="0">
+              <a:buNone/>
+            </a:pPr>
+            <a:r>
+              <a:rPr lang="en-US" altLang="ko-KR" dirty="0"/>
+              <a:t>  </a:t>
+            </a:r>
+            <a:r>
+              <a:rPr lang="en-US" altLang="ko-KR" dirty="0">
+                <a:hlinkClick r:id="rId3"/>
+              </a:rPr>
+              <a:t>https://github.com/ios-lec-2019-01/Simple-Web-Broswer</a:t>
+            </a:r>
+            <a:endParaRPr lang="en-US" altLang="ko-KR" dirty="0"/>
+          </a:p>
+          <a:p>
+            <a:pPr marL="0" indent="0">
+              <a:buNone/>
+            </a:pPr>
+            <a:endParaRPr lang="ko-KR" altLang="en-US" dirty="0"/>
+          </a:p>
+        </p:txBody>
+      </p:sp>
+    </p:spTree>
+    <p:extLst>
+      <p:ext uri="{BB962C8B-B14F-4D97-AF65-F5344CB8AC3E}">
+        <p14:creationId xmlns:p14="http://schemas.microsoft.com/office/powerpoint/2010/main" val="2338958009"/>
+      </p:ext>
+    </p:extLst>
+  </p:cSld>
+  <p:clrMapOvr>
+    <a:masterClrMapping/>
+  </p:clrMapOvr>
+</p:sld>
+</file>
+
+<file path=ppt/slides/slide6.xml><?xml version="1.0" encoding="utf-8"?>
 <p:sld xmlns:a="http://schemas.openxmlformats.org/drawingml/2006/main" xmlns:r="http://schemas.openxmlformats.org/officeDocument/2006/relationships" xmlns:p="http://schemas.openxmlformats.org/presentationml/2006/main">
   <p:cSld>
     <p:spTree>

--- a/01_Webkit_framework.pptx
+++ b/01_Webkit_framework.pptx
@@ -3644,6 +3644,11 @@
           <a:bodyPr/>
           <a:lstStyle/>
           <a:p>
+            <a:pPr>
+              <a:lnSpc>
+                <a:spcPct val="150000"/>
+              </a:lnSpc>
+            </a:pPr>
             <a:r>
               <a:rPr lang="en-US" altLang="ko-KR" dirty="0" err="1"/>
               <a:t>URLRequest</a:t>
@@ -3664,17 +3669,26 @@
             </a:r>
           </a:p>
           <a:p>
-            <a:r>
-              <a:rPr lang="en-US" altLang="ko-KR" dirty="0"/>
-              <a:t>Boolean </a:t>
-            </a:r>
+            <a:pPr>
+              <a:lnSpc>
+                <a:spcPct val="150000"/>
+              </a:lnSpc>
+            </a:pPr>
             <a:r>
               <a:rPr lang="en-US" altLang="ko-KR" dirty="0" err="1"/>
               <a:t>canGoBack</a:t>
             </a:r>
-            <a:endParaRPr lang="en-US" altLang="ko-KR" dirty="0"/>
-          </a:p>
-          <a:p>
+            <a:r>
+              <a:rPr lang="en-US" altLang="ko-KR" dirty="0"/>
+              <a:t>: Bool</a:t>
+            </a:r>
+          </a:p>
+          <a:p>
+            <a:pPr>
+              <a:lnSpc>
+                <a:spcPct val="150000"/>
+              </a:lnSpc>
+            </a:pPr>
             <a:r>
               <a:rPr lang="en-US" altLang="ko-KR" dirty="0" err="1"/>
               <a:t>goBack</a:t>
@@ -3685,17 +3699,26 @@
             </a:r>
           </a:p>
           <a:p>
-            <a:r>
-              <a:rPr lang="en-US" altLang="ko-KR" dirty="0"/>
-              <a:t>Boolean </a:t>
-            </a:r>
+            <a:pPr>
+              <a:lnSpc>
+                <a:spcPct val="150000"/>
+              </a:lnSpc>
+            </a:pPr>
             <a:r>
               <a:rPr lang="en-US" altLang="ko-KR" dirty="0" err="1"/>
               <a:t>canGoForward</a:t>
             </a:r>
-            <a:endParaRPr lang="en-US" altLang="ko-KR" dirty="0"/>
-          </a:p>
-          <a:p>
+            <a:r>
+              <a:rPr lang="en-US" altLang="ko-KR" dirty="0"/>
+              <a:t>: Bool</a:t>
+            </a:r>
+          </a:p>
+          <a:p>
+            <a:pPr>
+              <a:lnSpc>
+                <a:spcPct val="150000"/>
+              </a:lnSpc>
+            </a:pPr>
             <a:r>
               <a:rPr lang="en-US" altLang="ko-KR" dirty="0" err="1"/>
               <a:t>goForward</a:t>

--- a/01_Webkit_framework.pptx
+++ b/01_Webkit_framework.pptx
@@ -11,6 +11,7 @@
     <p:sldId id="261" r:id="rId5"/>
     <p:sldId id="260" r:id="rId6"/>
     <p:sldId id="259" r:id="rId7"/>
+    <p:sldId id="262" r:id="rId8"/>
   </p:sldIdLst>
   <p:sldSz cx="12192000" cy="6858000"/>
   <p:notesSz cx="6858000" cy="9144000"/>
@@ -264,7 +265,7 @@
           <a:p>
             <a:fld id="{C9A2E0DD-493A-4C5D-97B3-E71B451D7D50}" type="datetimeFigureOut">
               <a:rPr lang="ko-KR" altLang="en-US" smtClean="0"/>
-              <a:t>2019-09-09</a:t>
+              <a:t>2019. 9. 10.</a:t>
             </a:fld>
             <a:endParaRPr lang="ko-KR" altLang="en-US"/>
           </a:p>
@@ -462,7 +463,7 @@
           <a:p>
             <a:fld id="{C9A2E0DD-493A-4C5D-97B3-E71B451D7D50}" type="datetimeFigureOut">
               <a:rPr lang="ko-KR" altLang="en-US" smtClean="0"/>
-              <a:t>2019-09-09</a:t>
+              <a:t>2019. 9. 10.</a:t>
             </a:fld>
             <a:endParaRPr lang="ko-KR" altLang="en-US"/>
           </a:p>
@@ -670,7 +671,7 @@
           <a:p>
             <a:fld id="{C9A2E0DD-493A-4C5D-97B3-E71B451D7D50}" type="datetimeFigureOut">
               <a:rPr lang="ko-KR" altLang="en-US" smtClean="0"/>
-              <a:t>2019-09-09</a:t>
+              <a:t>2019. 9. 10.</a:t>
             </a:fld>
             <a:endParaRPr lang="ko-KR" altLang="en-US"/>
           </a:p>
@@ -868,7 +869,7 @@
           <a:p>
             <a:fld id="{C9A2E0DD-493A-4C5D-97B3-E71B451D7D50}" type="datetimeFigureOut">
               <a:rPr lang="ko-KR" altLang="en-US" smtClean="0"/>
-              <a:t>2019-09-09</a:t>
+              <a:t>2019. 9. 10.</a:t>
             </a:fld>
             <a:endParaRPr lang="ko-KR" altLang="en-US"/>
           </a:p>
@@ -1143,7 +1144,7 @@
           <a:p>
             <a:fld id="{C9A2E0DD-493A-4C5D-97B3-E71B451D7D50}" type="datetimeFigureOut">
               <a:rPr lang="ko-KR" altLang="en-US" smtClean="0"/>
-              <a:t>2019-09-09</a:t>
+              <a:t>2019. 9. 10.</a:t>
             </a:fld>
             <a:endParaRPr lang="ko-KR" altLang="en-US"/>
           </a:p>
@@ -1408,7 +1409,7 @@
           <a:p>
             <a:fld id="{C9A2E0DD-493A-4C5D-97B3-E71B451D7D50}" type="datetimeFigureOut">
               <a:rPr lang="ko-KR" altLang="en-US" smtClean="0"/>
-              <a:t>2019-09-09</a:t>
+              <a:t>2019. 9. 10.</a:t>
             </a:fld>
             <a:endParaRPr lang="ko-KR" altLang="en-US"/>
           </a:p>
@@ -1820,7 +1821,7 @@
           <a:p>
             <a:fld id="{C9A2E0DD-493A-4C5D-97B3-E71B451D7D50}" type="datetimeFigureOut">
               <a:rPr lang="ko-KR" altLang="en-US" smtClean="0"/>
-              <a:t>2019-09-09</a:t>
+              <a:t>2019. 9. 10.</a:t>
             </a:fld>
             <a:endParaRPr lang="ko-KR" altLang="en-US"/>
           </a:p>
@@ -1961,7 +1962,7 @@
           <a:p>
             <a:fld id="{C9A2E0DD-493A-4C5D-97B3-E71B451D7D50}" type="datetimeFigureOut">
               <a:rPr lang="ko-KR" altLang="en-US" smtClean="0"/>
-              <a:t>2019-09-09</a:t>
+              <a:t>2019. 9. 10.</a:t>
             </a:fld>
             <a:endParaRPr lang="ko-KR" altLang="en-US"/>
           </a:p>
@@ -2074,7 +2075,7 @@
           <a:p>
             <a:fld id="{C9A2E0DD-493A-4C5D-97B3-E71B451D7D50}" type="datetimeFigureOut">
               <a:rPr lang="ko-KR" altLang="en-US" smtClean="0"/>
-              <a:t>2019-09-09</a:t>
+              <a:t>2019. 9. 10.</a:t>
             </a:fld>
             <a:endParaRPr lang="ko-KR" altLang="en-US"/>
           </a:p>
@@ -2385,7 +2386,7 @@
           <a:p>
             <a:fld id="{C9A2E0DD-493A-4C5D-97B3-E71B451D7D50}" type="datetimeFigureOut">
               <a:rPr lang="ko-KR" altLang="en-US" smtClean="0"/>
-              <a:t>2019-09-09</a:t>
+              <a:t>2019. 9. 10.</a:t>
             </a:fld>
             <a:endParaRPr lang="ko-KR" altLang="en-US"/>
           </a:p>
@@ -2673,7 +2674,7 @@
           <a:p>
             <a:fld id="{C9A2E0DD-493A-4C5D-97B3-E71B451D7D50}" type="datetimeFigureOut">
               <a:rPr lang="ko-KR" altLang="en-US" smtClean="0"/>
-              <a:t>2019-09-09</a:t>
+              <a:t>2019. 9. 10.</a:t>
             </a:fld>
             <a:endParaRPr lang="ko-KR" altLang="en-US"/>
           </a:p>
@@ -2914,7 +2915,7 @@
           <a:p>
             <a:fld id="{C9A2E0DD-493A-4C5D-97B3-E71B451D7D50}" type="datetimeFigureOut">
               <a:rPr lang="ko-KR" altLang="en-US" smtClean="0"/>
-              <a:t>2019-09-09</a:t>
+              <a:t>2019. 9. 10.</a:t>
             </a:fld>
             <a:endParaRPr lang="ko-KR" altLang="en-US"/>
           </a:p>
@@ -4297,6 +4298,109 @@
 </p:sld>
 </file>
 
+<file path=ppt/slides/slide7.xml><?xml version="1.0" encoding="utf-8"?>
+<p:sld xmlns:a="http://schemas.openxmlformats.org/drawingml/2006/main" xmlns:r="http://schemas.openxmlformats.org/officeDocument/2006/relationships" xmlns:p="http://schemas.openxmlformats.org/presentationml/2006/main">
+  <p:cSld>
+    <p:spTree>
+      <p:nvGrpSpPr>
+        <p:cNvPr id="1" name=""/>
+        <p:cNvGrpSpPr/>
+        <p:nvPr/>
+      </p:nvGrpSpPr>
+      <p:grpSpPr>
+        <a:xfrm>
+          <a:off x="0" y="0"/>
+          <a:ext cx="0" cy="0"/>
+          <a:chOff x="0" y="0"/>
+          <a:chExt cx="0" cy="0"/>
+        </a:xfrm>
+      </p:grpSpPr>
+      <p:sp>
+        <p:nvSpPr>
+          <p:cNvPr id="2" name="제목 1">
+            <a:extLst>
+              <a:ext uri="{FF2B5EF4-FFF2-40B4-BE49-F238E27FC236}">
+                <a16:creationId xmlns:a16="http://schemas.microsoft.com/office/drawing/2014/main" id="{E1DA006C-9C3C-B84A-B26E-3DCB3F62496E}"/>
+              </a:ext>
+            </a:extLst>
+          </p:cNvPr>
+          <p:cNvSpPr>
+            <a:spLocks noGrp="1"/>
+          </p:cNvSpPr>
+          <p:nvPr>
+            <p:ph type="title"/>
+          </p:nvPr>
+        </p:nvSpPr>
+        <p:spPr/>
+        <p:txBody>
+          <a:bodyPr/>
+          <a:lstStyle/>
+          <a:p>
+            <a:r>
+              <a:rPr kumimoji="1" lang="en-US" altLang="ko-KR" dirty="0"/>
+              <a:t>JavaScript</a:t>
+            </a:r>
+            <a:r>
+              <a:rPr kumimoji="1" lang="ko-KR" altLang="en-US" dirty="0"/>
+              <a:t>와 연동</a:t>
+            </a:r>
+          </a:p>
+        </p:txBody>
+      </p:sp>
+      <p:sp>
+        <p:nvSpPr>
+          <p:cNvPr id="3" name="내용 개체 틀 2">
+            <a:extLst>
+              <a:ext uri="{FF2B5EF4-FFF2-40B4-BE49-F238E27FC236}">
+                <a16:creationId xmlns:a16="http://schemas.microsoft.com/office/drawing/2014/main" id="{10B68DB0-118F-1E44-AA96-D73377F652D3}"/>
+              </a:ext>
+            </a:extLst>
+          </p:cNvPr>
+          <p:cNvSpPr>
+            <a:spLocks noGrp="1"/>
+          </p:cNvSpPr>
+          <p:nvPr>
+            <p:ph idx="1"/>
+          </p:nvPr>
+        </p:nvSpPr>
+        <p:spPr/>
+        <p:txBody>
+          <a:bodyPr/>
+          <a:lstStyle/>
+          <a:p>
+            <a:r>
+              <a:rPr kumimoji="1" lang="ko-KR" altLang="en-US" dirty="0"/>
+              <a:t>참고</a:t>
+            </a:r>
+            <a:endParaRPr kumimoji="1" lang="en-US" altLang="ko-KR" dirty="0"/>
+          </a:p>
+          <a:p>
+            <a:pPr marL="0" indent="0">
+              <a:buNone/>
+            </a:pPr>
+            <a:r>
+              <a:rPr lang="en-US" altLang="ko-KR" dirty="0">
+                <a:hlinkClick r:id="rId2"/>
+              </a:rPr>
+              <a:t>https://medium.com/@hoishing/using-javascript-with-wkwebview-64f94153ad0</a:t>
+            </a:r>
+            <a:endParaRPr kumimoji="1" lang="ko-KR" altLang="en-US" dirty="0"/>
+          </a:p>
+        </p:txBody>
+      </p:sp>
+    </p:spTree>
+    <p:extLst>
+      <p:ext uri="{BB962C8B-B14F-4D97-AF65-F5344CB8AC3E}">
+        <p14:creationId xmlns:p14="http://schemas.microsoft.com/office/powerpoint/2010/main" val="3309525153"/>
+      </p:ext>
+    </p:extLst>
+  </p:cSld>
+  <p:clrMapOvr>
+    <a:masterClrMapping/>
+  </p:clrMapOvr>
+</p:sld>
+</file>
+
 <file path=ppt/theme/theme1.xml><?xml version="1.0" encoding="utf-8"?>
 <a:theme xmlns:a="http://schemas.openxmlformats.org/drawingml/2006/main" name="Office 테마">
   <a:themeElements>
